--- a/ITI/TF/Volume1/media/Figure_17.4-5.pptx
+++ b/ITI/TF/Volume1/media/Figure_17.4-5.pptx
@@ -104,6 +104,11 @@
       </a:defRPr>
     </a:lvl9pPr>
   </p:defaultTextStyle>
+  <p:extLst>
+    <p:ext uri="{EFAFB233-063F-42B5-8137-9DF3F51BA10A}">
+      <p15:sldGuideLst xmlns:p15="http://schemas.microsoft.com/office/powerpoint/2012/main"/>
+    </p:ext>
+  </p:extLst>
 </p:presentation>
 </file>
 
@@ -254,7 +259,7 @@
           <a:p>
             <a:fld id="{6EDA6397-2657-004F-B0A1-A23C8F8BACD1}" type="datetimeFigureOut">
               <a:rPr lang="en-US" smtClean="0"/>
-              <a:t>8/12/20</a:t>
+              <a:t>8/26/20</a:t>
             </a:fld>
             <a:endParaRPr lang="en-US"/>
           </a:p>
@@ -452,7 +457,7 @@
           <a:p>
             <a:fld id="{6EDA6397-2657-004F-B0A1-A23C8F8BACD1}" type="datetimeFigureOut">
               <a:rPr lang="en-US" smtClean="0"/>
-              <a:t>8/12/20</a:t>
+              <a:t>8/26/20</a:t>
             </a:fld>
             <a:endParaRPr lang="en-US"/>
           </a:p>
@@ -660,7 +665,7 @@
           <a:p>
             <a:fld id="{6EDA6397-2657-004F-B0A1-A23C8F8BACD1}" type="datetimeFigureOut">
               <a:rPr lang="en-US" smtClean="0"/>
-              <a:t>8/12/20</a:t>
+              <a:t>8/26/20</a:t>
             </a:fld>
             <a:endParaRPr lang="en-US"/>
           </a:p>
@@ -858,7 +863,7 @@
           <a:p>
             <a:fld id="{6EDA6397-2657-004F-B0A1-A23C8F8BACD1}" type="datetimeFigureOut">
               <a:rPr lang="en-US" smtClean="0"/>
-              <a:t>8/12/20</a:t>
+              <a:t>8/26/20</a:t>
             </a:fld>
             <a:endParaRPr lang="en-US"/>
           </a:p>
@@ -1133,7 +1138,7 @@
           <a:p>
             <a:fld id="{6EDA6397-2657-004F-B0A1-A23C8F8BACD1}" type="datetimeFigureOut">
               <a:rPr lang="en-US" smtClean="0"/>
-              <a:t>8/12/20</a:t>
+              <a:t>8/26/20</a:t>
             </a:fld>
             <a:endParaRPr lang="en-US"/>
           </a:p>
@@ -1398,7 +1403,7 @@
           <a:p>
             <a:fld id="{6EDA6397-2657-004F-B0A1-A23C8F8BACD1}" type="datetimeFigureOut">
               <a:rPr lang="en-US" smtClean="0"/>
-              <a:t>8/12/20</a:t>
+              <a:t>8/26/20</a:t>
             </a:fld>
             <a:endParaRPr lang="en-US"/>
           </a:p>
@@ -1810,7 +1815,7 @@
           <a:p>
             <a:fld id="{6EDA6397-2657-004F-B0A1-A23C8F8BACD1}" type="datetimeFigureOut">
               <a:rPr lang="en-US" smtClean="0"/>
-              <a:t>8/12/20</a:t>
+              <a:t>8/26/20</a:t>
             </a:fld>
             <a:endParaRPr lang="en-US"/>
           </a:p>
@@ -1951,7 +1956,7 @@
           <a:p>
             <a:fld id="{6EDA6397-2657-004F-B0A1-A23C8F8BACD1}" type="datetimeFigureOut">
               <a:rPr lang="en-US" smtClean="0"/>
-              <a:t>8/12/20</a:t>
+              <a:t>8/26/20</a:t>
             </a:fld>
             <a:endParaRPr lang="en-US"/>
           </a:p>
@@ -2064,7 +2069,7 @@
           <a:p>
             <a:fld id="{6EDA6397-2657-004F-B0A1-A23C8F8BACD1}" type="datetimeFigureOut">
               <a:rPr lang="en-US" smtClean="0"/>
-              <a:t>8/12/20</a:t>
+              <a:t>8/26/20</a:t>
             </a:fld>
             <a:endParaRPr lang="en-US"/>
           </a:p>
@@ -2375,7 +2380,7 @@
           <a:p>
             <a:fld id="{6EDA6397-2657-004F-B0A1-A23C8F8BACD1}" type="datetimeFigureOut">
               <a:rPr lang="en-US" smtClean="0"/>
-              <a:t>8/12/20</a:t>
+              <a:t>8/26/20</a:t>
             </a:fld>
             <a:endParaRPr lang="en-US"/>
           </a:p>
@@ -2663,7 +2668,7 @@
           <a:p>
             <a:fld id="{6EDA6397-2657-004F-B0A1-A23C8F8BACD1}" type="datetimeFigureOut">
               <a:rPr lang="en-US" smtClean="0"/>
-              <a:t>8/12/20</a:t>
+              <a:t>8/26/20</a:t>
             </a:fld>
             <a:endParaRPr lang="en-US"/>
           </a:p>
@@ -2904,7 +2909,7 @@
           <a:p>
             <a:fld id="{6EDA6397-2657-004F-B0A1-A23C8F8BACD1}" type="datetimeFigureOut">
               <a:rPr lang="en-US" smtClean="0"/>
-              <a:t>8/12/20</a:t>
+              <a:t>8/26/20</a:t>
             </a:fld>
             <a:endParaRPr lang="en-US"/>
           </a:p>
@@ -3337,7 +3342,7 @@
         </p:nvSpPr>
         <p:spPr bwMode="auto">
           <a:xfrm>
-            <a:off x="436563" y="495300"/>
+            <a:off x="436563" y="751777"/>
             <a:ext cx="954087" cy="320675"/>
           </a:xfrm>
           <a:prstGeom prst="rect">
@@ -3387,7 +3392,7 @@
               <a:tabLst/>
             </a:pPr>
             <a:r>
-              <a:rPr kumimoji="0" lang="en-US" altLang="en-US" sz="1000" b="0" i="0" u="none" strike="noStrike" cap="none" normalizeH="0" baseline="0">
+              <a:rPr kumimoji="0" lang="en-US" altLang="en-US" sz="1000" b="0" i="0" u="none" strike="noStrike" cap="none" normalizeH="0" baseline="0" dirty="0">
                 <a:ln>
                   <a:noFill/>
                 </a:ln>
@@ -3400,7 +3405,7 @@
               </a:rPr>
               <a:t>Form Filler</a:t>
             </a:r>
-            <a:endParaRPr kumimoji="0" lang="en-US" altLang="en-US" sz="1800" b="0" i="0" u="none" strike="noStrike" cap="none" normalizeH="0" baseline="0">
+            <a:endParaRPr kumimoji="0" lang="en-US" altLang="en-US" sz="1800" b="0" i="0" u="none" strike="noStrike" cap="none" normalizeH="0" baseline="0" dirty="0">
               <a:ln>
                 <a:noFill/>
               </a:ln>
@@ -3625,7 +3630,7 @@
         </p:nvSpPr>
         <p:spPr bwMode="auto">
           <a:xfrm>
-            <a:off x="3267075" y="752475"/>
+            <a:off x="3345132" y="763626"/>
             <a:ext cx="915988" cy="320675"/>
           </a:xfrm>
           <a:prstGeom prst="rect">
@@ -3675,7 +3680,7 @@
               <a:tabLst/>
             </a:pPr>
             <a:r>
-              <a:rPr kumimoji="0" lang="en-US" altLang="en-US" sz="1000" b="0" i="0" u="none" strike="noStrike" cap="none" normalizeH="0" baseline="0">
+              <a:rPr kumimoji="0" lang="en-US" altLang="en-US" sz="1000" b="0" i="0" u="none" strike="noStrike" cap="none" normalizeH="0" baseline="0" dirty="0">
                 <a:ln>
                   <a:noFill/>
                 </a:ln>
@@ -3688,7 +3693,7 @@
               </a:rPr>
               <a:t>Form Receiver</a:t>
             </a:r>
-            <a:endParaRPr kumimoji="0" lang="en-US" altLang="en-US" sz="1000" b="0" i="0" u="none" strike="noStrike" cap="none" normalizeH="0" baseline="0">
+            <a:endParaRPr kumimoji="0" lang="en-US" altLang="en-US" sz="1000" b="0" i="0" u="none" strike="noStrike" cap="none" normalizeH="0" baseline="0" dirty="0">
               <a:ln>
                 <a:noFill/>
               </a:ln>
@@ -3716,7 +3721,7 @@
               <a:buNone/>
               <a:tabLst/>
             </a:pPr>
-            <a:endParaRPr kumimoji="0" lang="en-US" altLang="en-US" sz="1800" b="0" i="0" u="none" strike="noStrike" cap="none" normalizeH="0" baseline="0">
+            <a:endParaRPr kumimoji="0" lang="en-US" altLang="en-US" sz="1800" b="0" i="0" u="none" strike="noStrike" cap="none" normalizeH="0" baseline="0" dirty="0">
               <a:ln>
                 <a:noFill/>
               </a:ln>
@@ -3791,7 +3796,7 @@
         </p:nvSpPr>
         <p:spPr bwMode="auto">
           <a:xfrm>
-            <a:off x="1139825" y="984250"/>
+            <a:off x="1173278" y="1151515"/>
             <a:ext cx="1763713" cy="361950"/>
           </a:xfrm>
           <a:prstGeom prst="rect">
@@ -3841,7 +3846,7 @@
               <a:tabLst/>
             </a:pPr>
             <a:r>
-              <a:rPr kumimoji="0" lang="en-US" altLang="en-US" sz="1000" b="0" i="0" u="none" strike="noStrike" cap="none" normalizeH="0" baseline="0">
+              <a:rPr kumimoji="0" lang="en-US" altLang="en-US" sz="1000" b="0" i="0" u="none" strike="noStrike" cap="none" normalizeH="0" baseline="0" dirty="0">
                 <a:ln>
                   <a:noFill/>
                 </a:ln>
@@ -3854,7 +3859,7 @@
               </a:rPr>
               <a:t>Retrieve Clarifications [ITI-37]</a:t>
             </a:r>
-            <a:endParaRPr kumimoji="0" lang="en-US" altLang="en-US" sz="1800" b="0" i="0" u="none" strike="noStrike" cap="none" normalizeH="0" baseline="0">
+            <a:endParaRPr kumimoji="0" lang="en-US" altLang="en-US" sz="1800" b="0" i="0" u="none" strike="noStrike" cap="none" normalizeH="0" baseline="0" dirty="0">
               <a:ln>
                 <a:noFill/>
               </a:ln>
@@ -4221,8 +4226,8 @@
         </p:nvSpPr>
         <p:spPr bwMode="auto">
           <a:xfrm>
-            <a:off x="2790825" y="495300"/>
-            <a:ext cx="914400" cy="295275"/>
+            <a:off x="2822695" y="439661"/>
+            <a:ext cx="1257059" cy="295275"/>
           </a:xfrm>
           <a:prstGeom prst="rect">
             <a:avLst/>
@@ -4276,7 +4281,7 @@
               <a:tabLst/>
             </a:pPr>
             <a:r>
-              <a:rPr kumimoji="0" lang="en-US" altLang="en-US" sz="1000" b="0" i="0" u="none" strike="noStrike" cap="none" normalizeH="0" baseline="0">
+              <a:rPr kumimoji="0" lang="en-US" altLang="en-US" sz="1000" b="0" i="0" u="none" strike="noStrike" cap="none" normalizeH="0" baseline="0" dirty="0">
                 <a:ln>
                   <a:noFill/>
                 </a:ln>
@@ -4289,7 +4294,7 @@
               </a:rPr>
               <a:t>Form Source</a:t>
             </a:r>
-            <a:endParaRPr kumimoji="0" lang="en-US" altLang="en-US" sz="1800" b="0" i="0" u="none" strike="noStrike" cap="none" normalizeH="0" baseline="0">
+            <a:endParaRPr kumimoji="0" lang="en-US" altLang="en-US" sz="1800" b="0" i="0" u="none" strike="noStrike" cap="none" normalizeH="0" baseline="0" dirty="0">
               <a:ln>
                 <a:noFill/>
               </a:ln>
